--- a/Doctor Appointment Sytem.pptx
+++ b/Doctor Appointment Sytem.pptx
@@ -10,6 +10,8 @@
     <p:sldId id="259" r:id="rId4"/>
     <p:sldId id="260" r:id="rId5"/>
     <p:sldId id="257" r:id="rId6"/>
+    <p:sldId id="261" r:id="rId7"/>
+    <p:sldId id="262" r:id="rId8"/>
   </p:sldIdLst>
   <p:sldSz cx="12192000" cy="6858000"/>
   <p:notesSz cx="6858000" cy="9144000"/>
@@ -108,6 +110,11 @@
       </a:defRPr>
     </a:lvl9pPr>
   </p:defaultTextStyle>
+  <p:extLst>
+    <p:ext uri="{EFAFB233-063F-42B5-8137-9DF3F51BA10A}">
+      <p15:sldGuideLst xmlns:p15="http://schemas.microsoft.com/office/powerpoint/2012/main"/>
+    </p:ext>
+  </p:extLst>
 </p:presentation>
 </file>
 
@@ -258,7 +265,7 @@
           <a:p>
             <a:fld id="{A1693EBE-B13A-4529-A8F0-AD35EFDEF639}" type="datetimeFigureOut">
               <a:rPr lang="en-US" smtClean="0"/>
-              <a:t>10/19/2021</a:t>
+              <a:t>10/25/2021</a:t>
             </a:fld>
             <a:endParaRPr lang="en-US"/>
           </a:p>
@@ -456,7 +463,7 @@
           <a:p>
             <a:fld id="{A1693EBE-B13A-4529-A8F0-AD35EFDEF639}" type="datetimeFigureOut">
               <a:rPr lang="en-US" smtClean="0"/>
-              <a:t>10/19/2021</a:t>
+              <a:t>10/25/2021</a:t>
             </a:fld>
             <a:endParaRPr lang="en-US"/>
           </a:p>
@@ -664,7 +671,7 @@
           <a:p>
             <a:fld id="{A1693EBE-B13A-4529-A8F0-AD35EFDEF639}" type="datetimeFigureOut">
               <a:rPr lang="en-US" smtClean="0"/>
-              <a:t>10/19/2021</a:t>
+              <a:t>10/25/2021</a:t>
             </a:fld>
             <a:endParaRPr lang="en-US"/>
           </a:p>
@@ -862,7 +869,7 @@
           <a:p>
             <a:fld id="{A1693EBE-B13A-4529-A8F0-AD35EFDEF639}" type="datetimeFigureOut">
               <a:rPr lang="en-US" smtClean="0"/>
-              <a:t>10/19/2021</a:t>
+              <a:t>10/25/2021</a:t>
             </a:fld>
             <a:endParaRPr lang="en-US"/>
           </a:p>
@@ -1137,7 +1144,7 @@
           <a:p>
             <a:fld id="{A1693EBE-B13A-4529-A8F0-AD35EFDEF639}" type="datetimeFigureOut">
               <a:rPr lang="en-US" smtClean="0"/>
-              <a:t>10/19/2021</a:t>
+              <a:t>10/25/2021</a:t>
             </a:fld>
             <a:endParaRPr lang="en-US"/>
           </a:p>
@@ -1402,7 +1409,7 @@
           <a:p>
             <a:fld id="{A1693EBE-B13A-4529-A8F0-AD35EFDEF639}" type="datetimeFigureOut">
               <a:rPr lang="en-US" smtClean="0"/>
-              <a:t>10/19/2021</a:t>
+              <a:t>10/25/2021</a:t>
             </a:fld>
             <a:endParaRPr lang="en-US"/>
           </a:p>
@@ -1814,7 +1821,7 @@
           <a:p>
             <a:fld id="{A1693EBE-B13A-4529-A8F0-AD35EFDEF639}" type="datetimeFigureOut">
               <a:rPr lang="en-US" smtClean="0"/>
-              <a:t>10/19/2021</a:t>
+              <a:t>10/25/2021</a:t>
             </a:fld>
             <a:endParaRPr lang="en-US"/>
           </a:p>
@@ -1955,7 +1962,7 @@
           <a:p>
             <a:fld id="{A1693EBE-B13A-4529-A8F0-AD35EFDEF639}" type="datetimeFigureOut">
               <a:rPr lang="en-US" smtClean="0"/>
-              <a:t>10/19/2021</a:t>
+              <a:t>10/25/2021</a:t>
             </a:fld>
             <a:endParaRPr lang="en-US"/>
           </a:p>
@@ -2068,7 +2075,7 @@
           <a:p>
             <a:fld id="{A1693EBE-B13A-4529-A8F0-AD35EFDEF639}" type="datetimeFigureOut">
               <a:rPr lang="en-US" smtClean="0"/>
-              <a:t>10/19/2021</a:t>
+              <a:t>10/25/2021</a:t>
             </a:fld>
             <a:endParaRPr lang="en-US"/>
           </a:p>
@@ -2379,7 +2386,7 @@
           <a:p>
             <a:fld id="{A1693EBE-B13A-4529-A8F0-AD35EFDEF639}" type="datetimeFigureOut">
               <a:rPr lang="en-US" smtClean="0"/>
-              <a:t>10/19/2021</a:t>
+              <a:t>10/25/2021</a:t>
             </a:fld>
             <a:endParaRPr lang="en-US"/>
           </a:p>
@@ -2667,7 +2674,7 @@
           <a:p>
             <a:fld id="{A1693EBE-B13A-4529-A8F0-AD35EFDEF639}" type="datetimeFigureOut">
               <a:rPr lang="en-US" smtClean="0"/>
-              <a:t>10/19/2021</a:t>
+              <a:t>10/25/2021</a:t>
             </a:fld>
             <a:endParaRPr lang="en-US"/>
           </a:p>
@@ -2908,7 +2915,7 @@
           <a:p>
             <a:fld id="{A1693EBE-B13A-4529-A8F0-AD35EFDEF639}" type="datetimeFigureOut">
               <a:rPr lang="en-US" smtClean="0"/>
-              <a:t>10/19/2021</a:t>
+              <a:t>10/25/2021</a:t>
             </a:fld>
             <a:endParaRPr lang="en-US"/>
           </a:p>
@@ -3435,13 +3442,8 @@
             <a:pPr algn="ctr"/>
             <a:r>
               <a:rPr lang="en-US" sz="3200" dirty="0"/>
-              <a:t>Lecturer: Dr. David </a:t>
-            </a:r>
-            <a:r>
-              <a:rPr lang="en-US" sz="3200" dirty="0" err="1"/>
-              <a:t>Mariga</a:t>
-            </a:r>
-            <a:endParaRPr lang="en-US" sz="3200" dirty="0"/>
+              <a:t>Lecturer: Dr. Racheal</a:t>
+            </a:r>
           </a:p>
           <a:p>
             <a:pPr algn="ctr"/>
@@ -3544,6 +3546,85 @@
           </a:p>
         </p:txBody>
       </p:sp>
+      <p:sp>
+        <p:nvSpPr>
+          <p:cNvPr id="3" name="TextBox 2">
+            <a:extLst>
+              <a:ext uri="{FF2B5EF4-FFF2-40B4-BE49-F238E27FC236}">
+                <a16:creationId xmlns:a16="http://schemas.microsoft.com/office/drawing/2014/main" id="{21A5F89F-3CBD-445D-A67A-B211E09AC08A}"/>
+              </a:ext>
+            </a:extLst>
+          </p:cNvPr>
+          <p:cNvSpPr txBox="1"/>
+          <p:nvPr/>
+        </p:nvSpPr>
+        <p:spPr>
+          <a:xfrm>
+            <a:off x="2268279" y="2158409"/>
+            <a:ext cx="8399721" cy="4247317"/>
+          </a:xfrm>
+          <a:prstGeom prst="rect">
+            <a:avLst/>
+          </a:prstGeom>
+          <a:noFill/>
+        </p:spPr>
+        <p:txBody>
+          <a:bodyPr wrap="square" rtlCol="0">
+            <a:spAutoFit/>
+          </a:bodyPr>
+          <a:lstStyle/>
+          <a:p>
+            <a:pPr algn="ctr"/>
+            <a:r>
+              <a:rPr lang="en-US" dirty="0"/>
+              <a:t>Project Description</a:t>
+            </a:r>
+          </a:p>
+          <a:p>
+            <a:pPr marL="285750" indent="-285750">
+              <a:lnSpc>
+                <a:spcPct val="200000"/>
+              </a:lnSpc>
+              <a:buFont typeface="Wingdings" panose="05000000000000000000" pitchFamily="2" charset="2"/>
+              <a:buChar char="v"/>
+            </a:pPr>
+            <a:r>
+              <a:rPr lang="en-US" dirty="0"/>
+              <a:t>Doctor Appointment System is a online web application system intended to help</a:t>
+            </a:r>
+          </a:p>
+          <a:p>
+            <a:pPr>
+              <a:lnSpc>
+                <a:spcPct val="200000"/>
+              </a:lnSpc>
+            </a:pPr>
+            <a:r>
+              <a:rPr lang="en-US" dirty="0"/>
+              <a:t>Patient make book an appointment with a doctor without coming to the office of the doctor.</a:t>
+            </a:r>
+          </a:p>
+          <a:p>
+            <a:pPr marL="285750" indent="-285750">
+              <a:lnSpc>
+                <a:spcPct val="200000"/>
+              </a:lnSpc>
+              <a:buFont typeface="Wingdings" panose="05000000000000000000" pitchFamily="2" charset="2"/>
+              <a:buChar char="v"/>
+            </a:pPr>
+            <a:r>
+              <a:rPr lang="en-US" dirty="0"/>
+              <a:t> The need aroused to reduce the contact between the patient and the doctor and decongest the office of the doctor which are constantly faced by long queues of people waiting to book appointment.</a:t>
+            </a:r>
+          </a:p>
+          <a:p>
+            <a:endParaRPr lang="en-US" dirty="0"/>
+          </a:p>
+          <a:p>
+            <a:endParaRPr lang="en-US" dirty="0"/>
+          </a:p>
+        </p:txBody>
+      </p:sp>
     </p:spTree>
     <p:extLst>
       <p:ext uri="{BB962C8B-B14F-4D97-AF65-F5344CB8AC3E}">
@@ -3632,6 +3713,135 @@
           </a:p>
         </p:txBody>
       </p:sp>
+      <p:sp>
+        <p:nvSpPr>
+          <p:cNvPr id="3" name="TextBox 2">
+            <a:extLst>
+              <a:ext uri="{FF2B5EF4-FFF2-40B4-BE49-F238E27FC236}">
+                <a16:creationId xmlns:a16="http://schemas.microsoft.com/office/drawing/2014/main" id="{AE8ADC93-23DC-4EE3-952E-3F0CEB8DE1A1}"/>
+              </a:ext>
+            </a:extLst>
+          </p:cNvPr>
+          <p:cNvSpPr txBox="1"/>
+          <p:nvPr/>
+        </p:nvSpPr>
+        <p:spPr>
+          <a:xfrm>
+            <a:off x="1424763" y="1499191"/>
+            <a:ext cx="8963247" cy="4124206"/>
+          </a:xfrm>
+          <a:prstGeom prst="rect">
+            <a:avLst/>
+          </a:prstGeom>
+          <a:noFill/>
+        </p:spPr>
+        <p:txBody>
+          <a:bodyPr wrap="square" rtlCol="0">
+            <a:spAutoFit/>
+          </a:bodyPr>
+          <a:lstStyle/>
+          <a:p>
+            <a:r>
+              <a:rPr lang="en-US" sz="2800" b="1" dirty="0">
+                <a:solidFill>
+                  <a:srgbClr val="7030A0"/>
+                </a:solidFill>
+              </a:rPr>
+              <a:t>System Functionality</a:t>
+            </a:r>
+          </a:p>
+          <a:p>
+            <a:pPr marL="285750" indent="-285750">
+              <a:lnSpc>
+                <a:spcPct val="200000"/>
+              </a:lnSpc>
+              <a:buFont typeface="Courier New" panose="02070309020205020404" pitchFamily="49" charset="0"/>
+              <a:buChar char="o"/>
+            </a:pPr>
+            <a:r>
+              <a:rPr lang="en-US" dirty="0"/>
+              <a:t>Register new user or patients</a:t>
+            </a:r>
+          </a:p>
+          <a:p>
+            <a:pPr marL="285750" indent="-285750">
+              <a:lnSpc>
+                <a:spcPct val="200000"/>
+              </a:lnSpc>
+              <a:buFont typeface="Courier New" panose="02070309020205020404" pitchFamily="49" charset="0"/>
+              <a:buChar char="o"/>
+            </a:pPr>
+            <a:r>
+              <a:rPr lang="en-US" dirty="0"/>
+              <a:t>Register new Doctors through the back end or the front end</a:t>
+            </a:r>
+          </a:p>
+          <a:p>
+            <a:pPr marL="285750" indent="-285750">
+              <a:lnSpc>
+                <a:spcPct val="200000"/>
+              </a:lnSpc>
+              <a:buFont typeface="Courier New" panose="02070309020205020404" pitchFamily="49" charset="0"/>
+              <a:buChar char="o"/>
+            </a:pPr>
+            <a:r>
+              <a:rPr lang="en-US" dirty="0"/>
+              <a:t>Allow doctors and patients to login into the </a:t>
+            </a:r>
+            <a:r>
+              <a:rPr lang="en-US" dirty="0" err="1"/>
+              <a:t>sytem</a:t>
+            </a:r>
+            <a:endParaRPr lang="en-US" dirty="0"/>
+          </a:p>
+          <a:p>
+            <a:pPr marL="285750" indent="-285750">
+              <a:lnSpc>
+                <a:spcPct val="200000"/>
+              </a:lnSpc>
+              <a:buFont typeface="Courier New" panose="02070309020205020404" pitchFamily="49" charset="0"/>
+              <a:buChar char="o"/>
+            </a:pPr>
+            <a:r>
+              <a:rPr lang="en-US" dirty="0"/>
+              <a:t>Allow user to search for doctors </a:t>
+            </a:r>
+          </a:p>
+          <a:p>
+            <a:pPr marL="285750" indent="-285750">
+              <a:lnSpc>
+                <a:spcPct val="200000"/>
+              </a:lnSpc>
+              <a:buFont typeface="Courier New" panose="02070309020205020404" pitchFamily="49" charset="0"/>
+              <a:buChar char="o"/>
+            </a:pPr>
+            <a:r>
+              <a:rPr lang="en-US" dirty="0"/>
+              <a:t>Allow users to book appointments  and cancel them</a:t>
+            </a:r>
+          </a:p>
+          <a:p>
+            <a:pPr marL="285750" indent="-285750">
+              <a:lnSpc>
+                <a:spcPct val="200000"/>
+              </a:lnSpc>
+              <a:buFont typeface="Courier New" panose="02070309020205020404" pitchFamily="49" charset="0"/>
+              <a:buChar char="o"/>
+            </a:pPr>
+            <a:r>
+              <a:rPr lang="en-US" dirty="0"/>
+              <a:t>Provide both the doctors and patient with page to view the appointment respectively</a:t>
+            </a:r>
+          </a:p>
+          <a:p>
+            <a:pPr marL="285750" indent="-285750">
+              <a:buFont typeface="Courier New" panose="02070309020205020404" pitchFamily="49" charset="0"/>
+              <a:buChar char="o"/>
+            </a:pPr>
+            <a:endParaRPr lang="en-US" dirty="0"/>
+          </a:p>
+        </p:txBody>
+      </p:sp>
     </p:spTree>
     <p:extLst>
       <p:ext uri="{BB962C8B-B14F-4D97-AF65-F5344CB8AC3E}">
@@ -3720,6 +3930,175 @@
           </a:p>
         </p:txBody>
       </p:sp>
+      <p:sp>
+        <p:nvSpPr>
+          <p:cNvPr id="3" name="TextBox 2">
+            <a:extLst>
+              <a:ext uri="{FF2B5EF4-FFF2-40B4-BE49-F238E27FC236}">
+                <a16:creationId xmlns:a16="http://schemas.microsoft.com/office/drawing/2014/main" id="{FA5D845B-37BF-4E51-8662-41DC926788AA}"/>
+              </a:ext>
+            </a:extLst>
+          </p:cNvPr>
+          <p:cNvSpPr txBox="1"/>
+          <p:nvPr/>
+        </p:nvSpPr>
+        <p:spPr>
+          <a:xfrm>
+            <a:off x="1913860" y="1531088"/>
+            <a:ext cx="8754140" cy="6340197"/>
+          </a:xfrm>
+          <a:prstGeom prst="rect">
+            <a:avLst/>
+          </a:prstGeom>
+          <a:noFill/>
+        </p:spPr>
+        <p:txBody>
+          <a:bodyPr wrap="square" rtlCol="0">
+            <a:spAutoFit/>
+          </a:bodyPr>
+          <a:lstStyle/>
+          <a:p>
+            <a:r>
+              <a:rPr lang="en-US" sz="2800" b="1" u="sng" dirty="0">
+                <a:solidFill>
+                  <a:srgbClr val="7030A0"/>
+                </a:solidFill>
+              </a:rPr>
+              <a:t>Technologies used</a:t>
+            </a:r>
+          </a:p>
+          <a:p>
+            <a:pPr>
+              <a:lnSpc>
+                <a:spcPct val="200000"/>
+              </a:lnSpc>
+            </a:pPr>
+            <a:r>
+              <a:rPr lang="en-US" dirty="0"/>
+              <a:t>Php </a:t>
+            </a:r>
+            <a:r>
+              <a:rPr lang="en-US" dirty="0">
+                <a:sym typeface="Wingdings" panose="05000000000000000000" pitchFamily="2" charset="2"/>
+              </a:rPr>
+              <a:t> the back end or the server side programming language</a:t>
+            </a:r>
+          </a:p>
+          <a:p>
+            <a:pPr>
+              <a:lnSpc>
+                <a:spcPct val="200000"/>
+              </a:lnSpc>
+            </a:pPr>
+            <a:r>
+              <a:rPr lang="en-US" dirty="0" err="1">
+                <a:sym typeface="Wingdings" panose="05000000000000000000" pitchFamily="2" charset="2"/>
+              </a:rPr>
+              <a:t>Mysql</a:t>
+            </a:r>
+            <a:r>
+              <a:rPr lang="en-US" dirty="0">
+                <a:sym typeface="Wingdings" panose="05000000000000000000" pitchFamily="2" charset="2"/>
+              </a:rPr>
+              <a:t>  the relational databases management tool used to make and deploy the database</a:t>
+            </a:r>
+          </a:p>
+          <a:p>
+            <a:pPr>
+              <a:lnSpc>
+                <a:spcPct val="200000"/>
+              </a:lnSpc>
+            </a:pPr>
+            <a:r>
+              <a:rPr lang="en-US" dirty="0">
+                <a:sym typeface="Wingdings" panose="05000000000000000000" pitchFamily="2" charset="2"/>
+              </a:rPr>
+              <a:t>JavaScript  used to make interactive web pages content</a:t>
+            </a:r>
+          </a:p>
+          <a:p>
+            <a:pPr>
+              <a:lnSpc>
+                <a:spcPct val="200000"/>
+              </a:lnSpc>
+            </a:pPr>
+            <a:r>
+              <a:rPr lang="en-US" dirty="0">
+                <a:sym typeface="Wingdings" panose="05000000000000000000" pitchFamily="2" charset="2"/>
+              </a:rPr>
+              <a:t>Cascading stylesheet (CSS) used to design the web page layout and beautify the web page content</a:t>
+            </a:r>
+          </a:p>
+          <a:p>
+            <a:pPr>
+              <a:lnSpc>
+                <a:spcPct val="200000"/>
+              </a:lnSpc>
+            </a:pPr>
+            <a:r>
+              <a:rPr lang="en-US" dirty="0" err="1">
+                <a:sym typeface="Wingdings" panose="05000000000000000000" pitchFamily="2" charset="2"/>
+              </a:rPr>
+              <a:t>Xampp</a:t>
+            </a:r>
+            <a:r>
+              <a:rPr lang="en-US" dirty="0">
+                <a:sym typeface="Wingdings" panose="05000000000000000000" pitchFamily="2" charset="2"/>
+              </a:rPr>
+              <a:t>  the server used to developed and deployed the web application locally.</a:t>
+            </a:r>
+          </a:p>
+          <a:p>
+            <a:pPr>
+              <a:lnSpc>
+                <a:spcPct val="200000"/>
+              </a:lnSpc>
+            </a:pPr>
+            <a:r>
+              <a:rPr lang="en-US" dirty="0" err="1">
+                <a:sym typeface="Wingdings" panose="05000000000000000000" pitchFamily="2" charset="2"/>
+              </a:rPr>
+              <a:t>Github</a:t>
+            </a:r>
+            <a:r>
+              <a:rPr lang="en-US" dirty="0">
+                <a:sym typeface="Wingdings" panose="05000000000000000000" pitchFamily="2" charset="2"/>
+              </a:rPr>
+              <a:t> and </a:t>
+            </a:r>
+            <a:r>
+              <a:rPr lang="en-US" dirty="0" err="1">
+                <a:sym typeface="Wingdings" panose="05000000000000000000" pitchFamily="2" charset="2"/>
+              </a:rPr>
+              <a:t>GitBash</a:t>
+            </a:r>
+            <a:r>
+              <a:rPr lang="en-US" dirty="0">
+                <a:sym typeface="Wingdings" panose="05000000000000000000" pitchFamily="2" charset="2"/>
+              </a:rPr>
+              <a:t>  technologies used to make backups and keep track of the version and update of the web application</a:t>
+            </a:r>
+          </a:p>
+          <a:p>
+            <a:pPr>
+              <a:lnSpc>
+                <a:spcPct val="200000"/>
+              </a:lnSpc>
+            </a:pPr>
+            <a:r>
+              <a:rPr lang="en-US" dirty="0">
+                <a:sym typeface="Wingdings" panose="05000000000000000000" pitchFamily="2" charset="2"/>
+              </a:rPr>
+              <a:t>Chrome web browser  the client side application used to display user interface and make server side requests.</a:t>
+            </a:r>
+          </a:p>
+          <a:p>
+            <a:endParaRPr lang="en-US" dirty="0">
+              <a:sym typeface="Wingdings" panose="05000000000000000000" pitchFamily="2" charset="2"/>
+            </a:endParaRPr>
+          </a:p>
+        </p:txBody>
+      </p:sp>
     </p:spTree>
     <p:extLst>
       <p:ext uri="{BB962C8B-B14F-4D97-AF65-F5344CB8AC3E}">
@@ -3812,6 +4191,182 @@
     <p:extLst>
       <p:ext uri="{BB962C8B-B14F-4D97-AF65-F5344CB8AC3E}">
         <p14:creationId xmlns:p14="http://schemas.microsoft.com/office/powerpoint/2010/main" val="3648813569"/>
+      </p:ext>
+    </p:extLst>
+  </p:cSld>
+  <p:clrMapOvr>
+    <a:masterClrMapping/>
+  </p:clrMapOvr>
+</p:sld>
+</file>
+
+<file path=ppt/slides/slide6.xml><?xml version="1.0" encoding="utf-8"?>
+<p:sld xmlns:a="http://schemas.openxmlformats.org/drawingml/2006/main" xmlns:r="http://schemas.openxmlformats.org/officeDocument/2006/relationships" xmlns:p="http://schemas.openxmlformats.org/presentationml/2006/main">
+  <p:cSld>
+    <p:spTree>
+      <p:nvGrpSpPr>
+        <p:cNvPr id="1" name=""/>
+        <p:cNvGrpSpPr/>
+        <p:nvPr/>
+      </p:nvGrpSpPr>
+      <p:grpSpPr>
+        <a:xfrm>
+          <a:off x="0" y="0"/>
+          <a:ext cx="0" cy="0"/>
+          <a:chOff x="0" y="0"/>
+          <a:chExt cx="0" cy="0"/>
+        </a:xfrm>
+      </p:grpSpPr>
+      <p:sp>
+        <p:nvSpPr>
+          <p:cNvPr id="2" name="Title 1">
+            <a:extLst>
+              <a:ext uri="{FF2B5EF4-FFF2-40B4-BE49-F238E27FC236}">
+                <a16:creationId xmlns:a16="http://schemas.microsoft.com/office/drawing/2014/main" id="{AA7CC8A1-5E2F-44E6-8557-13181F63FDC3}"/>
+              </a:ext>
+            </a:extLst>
+          </p:cNvPr>
+          <p:cNvSpPr>
+            <a:spLocks noGrp="1"/>
+          </p:cNvSpPr>
+          <p:nvPr>
+            <p:ph type="ctrTitle"/>
+          </p:nvPr>
+        </p:nvSpPr>
+        <p:spPr>
+          <a:xfrm>
+            <a:off x="1524000" y="287079"/>
+            <a:ext cx="9144000" cy="904986"/>
+          </a:xfrm>
+        </p:spPr>
+        <p:txBody>
+          <a:bodyPr>
+            <a:normAutofit fontScale="90000"/>
+          </a:bodyPr>
+          <a:lstStyle/>
+          <a:p>
+            <a:r>
+              <a:rPr lang="en-US" dirty="0">
+                <a:solidFill>
+                  <a:schemeClr val="accent1">
+                    <a:lumMod val="50000"/>
+                  </a:schemeClr>
+                </a:solidFill>
+              </a:rPr>
+              <a:t>Doctor Appointment </a:t>
+            </a:r>
+            <a:r>
+              <a:rPr lang="en-US" dirty="0" err="1">
+                <a:solidFill>
+                  <a:schemeClr val="accent1">
+                    <a:lumMod val="50000"/>
+                  </a:schemeClr>
+                </a:solidFill>
+              </a:rPr>
+              <a:t>Sytem</a:t>
+            </a:r>
+            <a:endParaRPr lang="en-US" dirty="0">
+              <a:solidFill>
+                <a:schemeClr val="accent1">
+                  <a:lumMod val="50000"/>
+                </a:schemeClr>
+              </a:solidFill>
+            </a:endParaRPr>
+          </a:p>
+        </p:txBody>
+      </p:sp>
+    </p:spTree>
+    <p:extLst>
+      <p:ext uri="{BB962C8B-B14F-4D97-AF65-F5344CB8AC3E}">
+        <p14:creationId xmlns:p14="http://schemas.microsoft.com/office/powerpoint/2010/main" val="3453442108"/>
+      </p:ext>
+    </p:extLst>
+  </p:cSld>
+  <p:clrMapOvr>
+    <a:masterClrMapping/>
+  </p:clrMapOvr>
+</p:sld>
+</file>
+
+<file path=ppt/slides/slide7.xml><?xml version="1.0" encoding="utf-8"?>
+<p:sld xmlns:a="http://schemas.openxmlformats.org/drawingml/2006/main" xmlns:r="http://schemas.openxmlformats.org/officeDocument/2006/relationships" xmlns:p="http://schemas.openxmlformats.org/presentationml/2006/main">
+  <p:cSld>
+    <p:spTree>
+      <p:nvGrpSpPr>
+        <p:cNvPr id="1" name=""/>
+        <p:cNvGrpSpPr/>
+        <p:nvPr/>
+      </p:nvGrpSpPr>
+      <p:grpSpPr>
+        <a:xfrm>
+          <a:off x="0" y="0"/>
+          <a:ext cx="0" cy="0"/>
+          <a:chOff x="0" y="0"/>
+          <a:chExt cx="0" cy="0"/>
+        </a:xfrm>
+      </p:grpSpPr>
+      <p:sp>
+        <p:nvSpPr>
+          <p:cNvPr id="2" name="Title 1">
+            <a:extLst>
+              <a:ext uri="{FF2B5EF4-FFF2-40B4-BE49-F238E27FC236}">
+                <a16:creationId xmlns:a16="http://schemas.microsoft.com/office/drawing/2014/main" id="{AA7CC8A1-5E2F-44E6-8557-13181F63FDC3}"/>
+              </a:ext>
+            </a:extLst>
+          </p:cNvPr>
+          <p:cNvSpPr>
+            <a:spLocks noGrp="1"/>
+          </p:cNvSpPr>
+          <p:nvPr>
+            <p:ph type="ctrTitle"/>
+          </p:nvPr>
+        </p:nvSpPr>
+        <p:spPr>
+          <a:xfrm>
+            <a:off x="1524000" y="287079"/>
+            <a:ext cx="9144000" cy="904986"/>
+          </a:xfrm>
+        </p:spPr>
+        <p:txBody>
+          <a:bodyPr>
+            <a:normAutofit fontScale="90000"/>
+          </a:bodyPr>
+          <a:lstStyle/>
+          <a:p>
+            <a:r>
+              <a:rPr lang="en-US" dirty="0">
+                <a:solidFill>
+                  <a:schemeClr val="accent1">
+                    <a:lumMod val="50000"/>
+                  </a:schemeClr>
+                </a:solidFill>
+              </a:rPr>
+              <a:t>Doctor Appointment </a:t>
+            </a:r>
+            <a:r>
+              <a:rPr lang="en-US" dirty="0" err="1">
+                <a:solidFill>
+                  <a:schemeClr val="accent1">
+                    <a:lumMod val="50000"/>
+                  </a:schemeClr>
+                </a:solidFill>
+              </a:rPr>
+              <a:t>Sytem</a:t>
+            </a:r>
+            <a:endParaRPr lang="en-US" dirty="0">
+              <a:solidFill>
+                <a:schemeClr val="accent1">
+                  <a:lumMod val="50000"/>
+                </a:schemeClr>
+              </a:solidFill>
+            </a:endParaRPr>
+          </a:p>
+        </p:txBody>
+      </p:sp>
+    </p:spTree>
+    <p:extLst>
+      <p:ext uri="{BB962C8B-B14F-4D97-AF65-F5344CB8AC3E}">
+        <p14:creationId xmlns:p14="http://schemas.microsoft.com/office/powerpoint/2010/main" val="2202441431"/>
       </p:ext>
     </p:extLst>
   </p:cSld>
